--- a/Wfh_Impact_on_Commute_Costs.pptx
+++ b/Wfh_Impact_on_Commute_Costs.pptx
@@ -4515,11 +4515,11 @@
   <p:clrMapOvr>
     <a:masterClrMapping/>
   </p:clrMapOvr>
-  <mc:AlternateContent xmlns:mc="http://schemas.openxmlformats.org/markup-compatibility/2006">
-    <mc:Choice xmlns:p14="http://schemas.microsoft.com/office/powerpoint/2010/main" Requires="p14">
+  <mc:AlternateContent xmlns:mc="http://schemas.openxmlformats.org/markup-compatibility/2006" xmlns:p14="http://schemas.microsoft.com/office/powerpoint/2010/main">
+    <mc:Choice Requires="p14">
       <p:transition p14:dur="0" advClick="0"/>
     </mc:Choice>
-    <mc:Fallback>
+    <mc:Fallback xmlns="">
       <p:transition advClick="0"/>
     </mc:Fallback>
   </mc:AlternateContent>
@@ -5447,7 +5447,7 @@
                   <a:schemeClr val="accent3"/>
                 </a:solidFill>
               </a:rPr>
-              <a:t>STEP #1  - We assumed average commute distance numbers  per region and calculated reduction of miles commuted per work-week.  We picked June 2021 as the date company switched to hybrid work. Then created a df</a:t>
+              <a:t>STEP #1  - We assumed average commute distance numbers  per region and calculated reduction of miles commuted per month.  We picked Feb 2020 as the date company switched to hybrid work. Then created a df</a:t>
             </a:r>
           </a:p>
           <a:p>
@@ -5634,7 +5634,7 @@
           <p:nvPr>
             <p:extLst>
               <p:ext uri="{D42A27DB-BD31-4B8C-83A1-F6EECF244321}">
-                <p14:modId xmlns:p14="http://schemas.microsoft.com/office/powerpoint/2010/main" val="1182713436"/>
+                <p14:modId xmlns:p14="http://schemas.microsoft.com/office/powerpoint/2010/main" val="3745032980"/>
               </p:ext>
             </p:extLst>
           </p:nvPr>
@@ -5744,7 +5744,7 @@
                     <a:p>
                       <a:pPr algn="ctr" fontAlgn="b"/>
                       <a:r>
-                        <a:rPr lang="en-US" sz="2000" b="0" i="0" u="none" strike="noStrike">
+                        <a:rPr lang="en-US" sz="2000" b="0" i="0" u="none" strike="noStrike" dirty="0">
                           <a:solidFill>
                             <a:schemeClr val="bg1">
                               <a:lumMod val="95000"/>
@@ -5753,7 +5753,7 @@
                           <a:effectLst/>
                           <a:latin typeface="Calibri" panose="020F0502020204030204" pitchFamily="34" charset="0"/>
                         </a:rPr>
-                        <a:t>Miles Driven per Week</a:t>
+                        <a:t>Miles Driven per month</a:t>
                       </a:r>
                     </a:p>
                   </a:txBody>
@@ -9969,11 +9969,11 @@
   <p:clrMapOvr>
     <a:masterClrMapping/>
   </p:clrMapOvr>
-  <mc:AlternateContent xmlns:mc="http://schemas.openxmlformats.org/markup-compatibility/2006">
-    <mc:Choice xmlns:p14="http://schemas.microsoft.com/office/powerpoint/2010/main" Requires="p14">
+  <mc:AlternateContent xmlns:mc="http://schemas.openxmlformats.org/markup-compatibility/2006" xmlns:p14="http://schemas.microsoft.com/office/powerpoint/2010/main">
+    <mc:Choice Requires="p14">
       <p:transition p14:dur="0" advClick="0"/>
     </mc:Choice>
-    <mc:Fallback>
+    <mc:Fallback xmlns="">
       <p:transition advClick="0"/>
     </mc:Fallback>
   </mc:AlternateContent>
@@ -10791,11 +10791,11 @@
   <p:clrMapOvr>
     <a:masterClrMapping/>
   </p:clrMapOvr>
-  <mc:AlternateContent xmlns:mc="http://schemas.openxmlformats.org/markup-compatibility/2006">
-    <mc:Choice xmlns:p14="http://schemas.microsoft.com/office/powerpoint/2010/main" Requires="p14">
+  <mc:AlternateContent xmlns:mc="http://schemas.openxmlformats.org/markup-compatibility/2006" xmlns:p14="http://schemas.microsoft.com/office/powerpoint/2010/main">
+    <mc:Choice Requires="p14">
       <p:transition p14:dur="0" advClick="0"/>
     </mc:Choice>
-    <mc:Fallback>
+    <mc:Fallback xmlns="">
       <p:transition advClick="0"/>
     </mc:Fallback>
   </mc:AlternateContent>
@@ -11429,11 +11429,11 @@
   <p:clrMapOvr>
     <a:masterClrMapping/>
   </p:clrMapOvr>
-  <mc:AlternateContent xmlns:mc="http://schemas.openxmlformats.org/markup-compatibility/2006">
-    <mc:Choice xmlns:p14="http://schemas.microsoft.com/office/powerpoint/2010/main" Requires="p14">
+  <mc:AlternateContent xmlns:mc="http://schemas.openxmlformats.org/markup-compatibility/2006" xmlns:p14="http://schemas.microsoft.com/office/powerpoint/2010/main">
+    <mc:Choice Requires="p14">
       <p:transition p14:dur="0" advClick="0"/>
     </mc:Choice>
-    <mc:Fallback>
+    <mc:Fallback xmlns="">
       <p:transition advClick="0"/>
     </mc:Fallback>
   </mc:AlternateContent>
@@ -12006,6 +12006,12 @@
 </file>
 
 <file path=customXml/item2.xml><?xml version="1.0" encoding="utf-8"?>
+<p:properties xmlns:p="http://schemas.microsoft.com/office/2006/metadata/properties" xmlns:xsi="http://www.w3.org/2001/XMLSchema-instance" xmlns:pc="http://schemas.microsoft.com/office/infopath/2007/PartnerControls">
+  <documentManagement/>
+</p:properties>
+</file>
+
+<file path=customXml/item3.xml><?xml version="1.0" encoding="utf-8"?>
 <ct:contentTypeSchema xmlns:ct="http://schemas.microsoft.com/office/2006/metadata/contentType" xmlns:ma="http://schemas.microsoft.com/office/2006/metadata/properties/metaAttributes" ct:_="" ma:_="" ma:contentTypeName="Document" ma:contentTypeID="0x010100A5093EC4E35A544E801FC62F4C4B9D3F" ma:contentTypeVersion="8" ma:contentTypeDescription="Create a new document." ma:contentTypeScope="" ma:versionID="377f17e658bcd4eba171daa31efa2474">
   <xsd:schema xmlns:xsd="http://www.w3.org/2001/XMLSchema" xmlns:xs="http://www.w3.org/2001/XMLSchema" xmlns:p="http://schemas.microsoft.com/office/2006/metadata/properties" xmlns:ns3="9d82b5c3-f8bc-400e-8268-2b5de6ccc438" xmlns:ns4="6dd4e1e2-abcc-4fbb-a575-68c39b368db3" targetNamespace="http://schemas.microsoft.com/office/2006/metadata/properties" ma:root="true" ma:fieldsID="eaadca5f73c60431fd6a4601817ec69d" ns3:_="" ns4:_="">
     <xsd:import namespace="9d82b5c3-f8bc-400e-8268-2b5de6ccc438"/>
@@ -12196,12 +12202,6 @@
 </ct:contentTypeSchema>
 </file>
 
-<file path=customXml/item3.xml><?xml version="1.0" encoding="utf-8"?>
-<p:properties xmlns:p="http://schemas.microsoft.com/office/2006/metadata/properties" xmlns:xsi="http://www.w3.org/2001/XMLSchema-instance" xmlns:pc="http://schemas.microsoft.com/office/infopath/2007/PartnerControls">
-  <documentManagement/>
-</p:properties>
-</file>
-
 <file path=customXml/itemProps1.xml><?xml version="1.0" encoding="utf-8"?>
 <ds:datastoreItem xmlns:ds="http://schemas.openxmlformats.org/officeDocument/2006/customXml" ds:itemID="{E35EF0FF-429F-40F0-9255-888ED6C2DD8F}">
   <ds:schemaRefs>
@@ -12211,6 +12211,23 @@
 </file>
 
 <file path=customXml/itemProps2.xml><?xml version="1.0" encoding="utf-8"?>
+<ds:datastoreItem xmlns:ds="http://schemas.openxmlformats.org/officeDocument/2006/customXml" ds:itemID="{1EEF510A-6987-4F4E-91D2-A7BCE0186089}">
+  <ds:schemaRefs>
+    <ds:schemaRef ds:uri="http://purl.org/dc/elements/1.1/"/>
+    <ds:schemaRef ds:uri="http://schemas.microsoft.com/office/2006/metadata/properties"/>
+    <ds:schemaRef ds:uri="6dd4e1e2-abcc-4fbb-a575-68c39b368db3"/>
+    <ds:schemaRef ds:uri="http://purl.org/dc/terms/"/>
+    <ds:schemaRef ds:uri="http://schemas.openxmlformats.org/package/2006/metadata/core-properties"/>
+    <ds:schemaRef ds:uri="http://schemas.microsoft.com/office/2006/documentManagement/types"/>
+    <ds:schemaRef ds:uri="9d82b5c3-f8bc-400e-8268-2b5de6ccc438"/>
+    <ds:schemaRef ds:uri="http://schemas.microsoft.com/office/infopath/2007/PartnerControls"/>
+    <ds:schemaRef ds:uri="http://www.w3.org/XML/1998/namespace"/>
+    <ds:schemaRef ds:uri="http://purl.org/dc/dcmitype/"/>
+  </ds:schemaRefs>
+</ds:datastoreItem>
+</file>
+
+<file path=customXml/itemProps3.xml><?xml version="1.0" encoding="utf-8"?>
 <ds:datastoreItem xmlns:ds="http://schemas.openxmlformats.org/officeDocument/2006/customXml" ds:itemID="{E83EC4DE-73E6-4DBE-9D53-0E0DD605888D}">
   <ds:schemaRefs>
     <ds:schemaRef ds:uri="6dd4e1e2-abcc-4fbb-a575-68c39b368db3"/>
@@ -12227,21 +12244,4 @@
     <ds:schemaRef ds:uri="http://www.w3.org/2001/XMLSchema"/>
   </ds:schemaRefs>
 </ds:datastoreItem>
-</file>
-
-<file path=customXml/itemProps3.xml><?xml version="1.0" encoding="utf-8"?>
-<ds:datastoreItem xmlns:ds="http://schemas.openxmlformats.org/officeDocument/2006/customXml" ds:itemID="{1EEF510A-6987-4F4E-91D2-A7BCE0186089}">
-  <ds:schemaRefs>
-    <ds:schemaRef ds:uri="http://purl.org/dc/elements/1.1/"/>
-    <ds:schemaRef ds:uri="http://schemas.microsoft.com/office/2006/metadata/properties"/>
-    <ds:schemaRef ds:uri="6dd4e1e2-abcc-4fbb-a575-68c39b368db3"/>
-    <ds:schemaRef ds:uri="http://purl.org/dc/terms/"/>
-    <ds:schemaRef ds:uri="http://schemas.openxmlformats.org/package/2006/metadata/core-properties"/>
-    <ds:schemaRef ds:uri="http://schemas.microsoft.com/office/2006/documentManagement/types"/>
-    <ds:schemaRef ds:uri="9d82b5c3-f8bc-400e-8268-2b5de6ccc438"/>
-    <ds:schemaRef ds:uri="http://schemas.microsoft.com/office/infopath/2007/PartnerControls"/>
-    <ds:schemaRef ds:uri="http://www.w3.org/XML/1998/namespace"/>
-    <ds:schemaRef ds:uri="http://purl.org/dc/dcmitype/"/>
-  </ds:schemaRefs>
-</ds:datastoreItem>
 </file>